--- a/HC_DB_Analyses/HC_DB_Numbers_Reversed/SDprox2PoolSchematic_init.pptx
+++ b/HC_DB_Analyses/HC_DB_Numbers_Reversed/SDprox2PoolSchematic_init.pptx
@@ -243,7 +243,7 @@
           <a:p>
             <a:fld id="{13B4EEC1-59A0-6147-A616-EE74AE21FFF0}" type="datetimeFigureOut">
               <a:rPr lang="en-US" smtClean="0"/>
-              <a:t>8/24/17</a:t>
+              <a:t>10/21/17</a:t>
             </a:fld>
             <a:endParaRPr lang="en-US"/>
           </a:p>
@@ -408,7 +408,7 @@
           <a:p>
             <a:fld id="{13B4EEC1-59A0-6147-A616-EE74AE21FFF0}" type="datetimeFigureOut">
               <a:rPr lang="en-US" smtClean="0"/>
-              <a:t>8/24/17</a:t>
+              <a:t>10/21/17</a:t>
             </a:fld>
             <a:endParaRPr lang="en-US"/>
           </a:p>
@@ -583,7 +583,7 @@
           <a:p>
             <a:fld id="{13B4EEC1-59A0-6147-A616-EE74AE21FFF0}" type="datetimeFigureOut">
               <a:rPr lang="en-US" smtClean="0"/>
-              <a:t>8/24/17</a:t>
+              <a:t>10/21/17</a:t>
             </a:fld>
             <a:endParaRPr lang="en-US"/>
           </a:p>
@@ -748,7 +748,7 @@
           <a:p>
             <a:fld id="{13B4EEC1-59A0-6147-A616-EE74AE21FFF0}" type="datetimeFigureOut">
               <a:rPr lang="en-US" smtClean="0"/>
-              <a:t>8/24/17</a:t>
+              <a:t>10/21/17</a:t>
             </a:fld>
             <a:endParaRPr lang="en-US"/>
           </a:p>
@@ -987,7 +987,7 @@
           <a:p>
             <a:fld id="{13B4EEC1-59A0-6147-A616-EE74AE21FFF0}" type="datetimeFigureOut">
               <a:rPr lang="en-US" smtClean="0"/>
-              <a:t>8/24/17</a:t>
+              <a:t>10/21/17</a:t>
             </a:fld>
             <a:endParaRPr lang="en-US"/>
           </a:p>
@@ -1214,7 +1214,7 @@
           <a:p>
             <a:fld id="{13B4EEC1-59A0-6147-A616-EE74AE21FFF0}" type="datetimeFigureOut">
               <a:rPr lang="en-US" smtClean="0"/>
-              <a:t>8/24/17</a:t>
+              <a:t>10/21/17</a:t>
             </a:fld>
             <a:endParaRPr lang="en-US"/>
           </a:p>
@@ -1576,7 +1576,7 @@
           <a:p>
             <a:fld id="{13B4EEC1-59A0-6147-A616-EE74AE21FFF0}" type="datetimeFigureOut">
               <a:rPr lang="en-US" smtClean="0"/>
-              <a:t>8/24/17</a:t>
+              <a:t>10/21/17</a:t>
             </a:fld>
             <a:endParaRPr lang="en-US"/>
           </a:p>
@@ -1689,7 +1689,7 @@
           <a:p>
             <a:fld id="{13B4EEC1-59A0-6147-A616-EE74AE21FFF0}" type="datetimeFigureOut">
               <a:rPr lang="en-US" smtClean="0"/>
-              <a:t>8/24/17</a:t>
+              <a:t>10/21/17</a:t>
             </a:fld>
             <a:endParaRPr lang="en-US"/>
           </a:p>
@@ -1779,7 +1779,7 @@
           <a:p>
             <a:fld id="{13B4EEC1-59A0-6147-A616-EE74AE21FFF0}" type="datetimeFigureOut">
               <a:rPr lang="en-US" smtClean="0"/>
-              <a:t>8/24/17</a:t>
+              <a:t>10/21/17</a:t>
             </a:fld>
             <a:endParaRPr lang="en-US"/>
           </a:p>
@@ -2051,7 +2051,7 @@
           <a:p>
             <a:fld id="{13B4EEC1-59A0-6147-A616-EE74AE21FFF0}" type="datetimeFigureOut">
               <a:rPr lang="en-US" smtClean="0"/>
-              <a:t>8/24/17</a:t>
+              <a:t>10/21/17</a:t>
             </a:fld>
             <a:endParaRPr lang="en-US"/>
           </a:p>
@@ -2303,7 +2303,7 @@
           <a:p>
             <a:fld id="{13B4EEC1-59A0-6147-A616-EE74AE21FFF0}" type="datetimeFigureOut">
               <a:rPr lang="en-US" smtClean="0"/>
-              <a:t>8/24/17</a:t>
+              <a:t>10/21/17</a:t>
             </a:fld>
             <a:endParaRPr lang="en-US"/>
           </a:p>
@@ -2511,7 +2511,7 @@
           <a:p>
             <a:fld id="{13B4EEC1-59A0-6147-A616-EE74AE21FFF0}" type="datetimeFigureOut">
               <a:rPr lang="en-US" smtClean="0"/>
-              <a:t>8/24/17</a:t>
+              <a:t>10/21/17</a:t>
             </a:fld>
             <a:endParaRPr lang="en-US"/>
           </a:p>
@@ -3869,7 +3869,7 @@
         <p:spPr>
           <a:xfrm>
             <a:off x="8266464" y="3449800"/>
-            <a:ext cx="5565498" cy="2308324"/>
+            <a:ext cx="5565498" cy="3046988"/>
           </a:xfrm>
           <a:prstGeom prst="rect">
             <a:avLst/>
@@ -3909,7 +3909,18 @@
             <a:pPr algn="ctr"/>
             <a:r>
               <a:rPr lang="en-US" sz="4800" b="1" dirty="0" smtClean="0"/>
-              <a:t>0 Models</a:t>
+              <a:t>0 </a:t>
+            </a:r>
+            <a:r>
+              <a:rPr lang="en-US" sz="4800" b="1" dirty="0" smtClean="0"/>
+              <a:t>Models</a:t>
+            </a:r>
+          </a:p>
+          <a:p>
+            <a:pPr algn="ctr"/>
+            <a:r>
+              <a:rPr lang="en-US" sz="4800" b="1" dirty="0"/>
+              <a:t>LNI_HNE_HIS_HES</a:t>
             </a:r>
             <a:endParaRPr lang="en-US" sz="4800" b="1" dirty="0"/>
           </a:p>
@@ -3924,7 +3935,7 @@
         <p:spPr>
           <a:xfrm>
             <a:off x="8154387" y="10199800"/>
-            <a:ext cx="5537157" cy="2308324"/>
+            <a:ext cx="5537157" cy="3046988"/>
           </a:xfrm>
           <a:prstGeom prst="rect">
             <a:avLst/>
@@ -3964,7 +3975,18 @@
             <a:pPr algn="ctr"/>
             <a:r>
               <a:rPr lang="en-US" sz="4800" b="1" dirty="0" smtClean="0"/>
-              <a:t>1859 Models</a:t>
+              <a:t>1859 </a:t>
+            </a:r>
+            <a:r>
+              <a:rPr lang="en-US" sz="4800" b="1" dirty="0" smtClean="0"/>
+              <a:t>Models</a:t>
+            </a:r>
+          </a:p>
+          <a:p>
+            <a:pPr algn="ctr"/>
+            <a:r>
+              <a:rPr lang="en-US" sz="4800" b="1" dirty="0"/>
+              <a:t>LNI_HNE_HIS_LES</a:t>
             </a:r>
             <a:endParaRPr lang="en-US" sz="4800" b="1" dirty="0"/>
           </a:p>
@@ -3979,7 +4001,7 @@
         <p:spPr>
           <a:xfrm>
             <a:off x="1555386" y="10199800"/>
-            <a:ext cx="5452647" cy="2308324"/>
+            <a:ext cx="5452647" cy="3046988"/>
           </a:xfrm>
           <a:prstGeom prst="rect">
             <a:avLst/>
@@ -4019,7 +4041,18 @@
             <a:pPr algn="ctr"/>
             <a:r>
               <a:rPr lang="en-US" sz="4800" b="1" dirty="0" smtClean="0"/>
-              <a:t>61 Models</a:t>
+              <a:t>61 </a:t>
+            </a:r>
+            <a:r>
+              <a:rPr lang="en-US" sz="4800" b="1" dirty="0" smtClean="0"/>
+              <a:t>Models</a:t>
+            </a:r>
+          </a:p>
+          <a:p>
+            <a:pPr algn="ctr"/>
+            <a:r>
+              <a:rPr lang="en-US" sz="4800" b="1" dirty="0"/>
+              <a:t>LNI_HNE_LIS_LES</a:t>
             </a:r>
             <a:endParaRPr lang="en-US" sz="4800" b="1" dirty="0"/>
           </a:p>
@@ -4034,7 +4067,7 @@
         <p:spPr>
           <a:xfrm>
             <a:off x="1540612" y="3485660"/>
-            <a:ext cx="5565498" cy="2308324"/>
+            <a:ext cx="5565498" cy="3046988"/>
           </a:xfrm>
           <a:prstGeom prst="rect">
             <a:avLst/>
@@ -4069,7 +4102,18 @@
             <a:pPr algn="ctr"/>
             <a:r>
               <a:rPr lang="en-US" sz="4800" b="1" dirty="0" smtClean="0"/>
-              <a:t>0 Models</a:t>
+              <a:t>0 </a:t>
+            </a:r>
+            <a:r>
+              <a:rPr lang="en-US" sz="4800" b="1" dirty="0" smtClean="0"/>
+              <a:t>Models</a:t>
+            </a:r>
+          </a:p>
+          <a:p>
+            <a:pPr algn="ctr"/>
+            <a:r>
+              <a:rPr lang="en-US" sz="4800" b="1" dirty="0" smtClean="0"/>
+              <a:t>LNI_HNE_LIS_HES</a:t>
             </a:r>
             <a:endParaRPr lang="en-US" sz="4800" b="1" dirty="0"/>
           </a:p>
@@ -4084,7 +4128,7 @@
         <p:spPr>
           <a:xfrm>
             <a:off x="21840461" y="3485660"/>
-            <a:ext cx="5565498" cy="2308324"/>
+            <a:ext cx="5565498" cy="3046988"/>
           </a:xfrm>
           <a:prstGeom prst="rect">
             <a:avLst/>
@@ -4124,7 +4168,18 @@
             <a:pPr algn="ctr"/>
             <a:r>
               <a:rPr lang="en-US" sz="4800" b="1" dirty="0" smtClean="0"/>
-              <a:t>515 Models</a:t>
+              <a:t>515 </a:t>
+            </a:r>
+            <a:r>
+              <a:rPr lang="en-US" sz="4800" b="1" dirty="0" smtClean="0"/>
+              <a:t>Models</a:t>
+            </a:r>
+          </a:p>
+          <a:p>
+            <a:pPr algn="ctr"/>
+            <a:r>
+              <a:rPr lang="en-US" sz="4800" b="1" dirty="0"/>
+              <a:t>HNI_HNE_HIS_HES</a:t>
             </a:r>
             <a:endParaRPr lang="en-US" sz="4800" b="1" dirty="0"/>
           </a:p>
@@ -4139,7 +4194,7 @@
         <p:spPr>
           <a:xfrm>
             <a:off x="21728384" y="10235660"/>
-            <a:ext cx="5537157" cy="2308324"/>
+            <a:ext cx="5537157" cy="3046988"/>
           </a:xfrm>
           <a:prstGeom prst="rect">
             <a:avLst/>
@@ -4179,7 +4234,18 @@
             <a:pPr algn="ctr"/>
             <a:r>
               <a:rPr lang="en-US" sz="4800" b="1" dirty="0" smtClean="0"/>
-              <a:t>7554 Models</a:t>
+              <a:t>7554 </a:t>
+            </a:r>
+            <a:r>
+              <a:rPr lang="en-US" sz="4800" b="1" dirty="0" smtClean="0"/>
+              <a:t>Models</a:t>
+            </a:r>
+          </a:p>
+          <a:p>
+            <a:pPr algn="ctr"/>
+            <a:r>
+              <a:rPr lang="en-US" sz="4800" b="1" dirty="0"/>
+              <a:t>HNI_HNE_HIS_LES</a:t>
             </a:r>
             <a:endParaRPr lang="en-US" sz="4800" b="1" dirty="0"/>
           </a:p>
@@ -4194,7 +4260,7 @@
         <p:spPr>
           <a:xfrm>
             <a:off x="15129383" y="10235660"/>
-            <a:ext cx="5452647" cy="2308324"/>
+            <a:ext cx="5452647" cy="3046988"/>
           </a:xfrm>
           <a:prstGeom prst="rect">
             <a:avLst/>
@@ -4234,7 +4300,18 @@
             <a:pPr algn="ctr"/>
             <a:r>
               <a:rPr lang="en-US" sz="4800" b="1" dirty="0" smtClean="0"/>
-              <a:t>2486 Models</a:t>
+              <a:t>2486 </a:t>
+            </a:r>
+            <a:r>
+              <a:rPr lang="en-US" sz="4800" b="1" dirty="0" smtClean="0"/>
+              <a:t>Models</a:t>
+            </a:r>
+          </a:p>
+          <a:p>
+            <a:pPr algn="ctr"/>
+            <a:r>
+              <a:rPr lang="en-US" sz="4800" b="1" dirty="0"/>
+              <a:t>HNI_HNE_LIS_LES</a:t>
             </a:r>
             <a:endParaRPr lang="en-US" sz="4800" b="1" dirty="0"/>
           </a:p>
@@ -4249,7 +4326,7 @@
         <p:spPr>
           <a:xfrm>
             <a:off x="15114609" y="3521520"/>
-            <a:ext cx="5565498" cy="2308324"/>
+            <a:ext cx="5565498" cy="3046988"/>
           </a:xfrm>
           <a:prstGeom prst="rect">
             <a:avLst/>
@@ -4289,7 +4366,18 @@
             <a:pPr algn="ctr"/>
             <a:r>
               <a:rPr lang="en-US" sz="4800" b="1" dirty="0" smtClean="0"/>
-              <a:t>0 Models</a:t>
+              <a:t>0 </a:t>
+            </a:r>
+            <a:r>
+              <a:rPr lang="en-US" sz="4800" b="1" dirty="0" smtClean="0"/>
+              <a:t>Models</a:t>
+            </a:r>
+          </a:p>
+          <a:p>
+            <a:pPr algn="ctr"/>
+            <a:r>
+              <a:rPr lang="en-US" sz="4800" b="1" dirty="0"/>
+              <a:t>HNI_HNE_LIS_HES</a:t>
             </a:r>
             <a:endParaRPr lang="en-US" sz="4800" b="1" dirty="0"/>
           </a:p>
@@ -4304,7 +4392,7 @@
         <p:spPr>
           <a:xfrm>
             <a:off x="8249385" y="16804193"/>
-            <a:ext cx="5565498" cy="2308324"/>
+            <a:ext cx="5565498" cy="3046988"/>
           </a:xfrm>
           <a:prstGeom prst="rect">
             <a:avLst/>
@@ -4344,8 +4432,20 @@
             <a:pPr algn="ctr"/>
             <a:r>
               <a:rPr lang="en-US" sz="4800" b="1" dirty="0"/>
-              <a:t>2342 Models</a:t>
-            </a:r>
+              <a:t>2342 </a:t>
+            </a:r>
+            <a:r>
+              <a:rPr lang="en-US" sz="4800" b="1" dirty="0" smtClean="0"/>
+              <a:t>Models</a:t>
+            </a:r>
+          </a:p>
+          <a:p>
+            <a:pPr algn="ctr"/>
+            <a:r>
+              <a:rPr lang="en-US" sz="4800" b="1" dirty="0"/>
+              <a:t>LNI_LNE_HIS_HES</a:t>
+            </a:r>
+            <a:endParaRPr lang="en-US" sz="4800" b="1" dirty="0"/>
           </a:p>
         </p:txBody>
       </p:sp>
@@ -4358,7 +4458,7 @@
         <p:spPr>
           <a:xfrm>
             <a:off x="8137308" y="23554193"/>
-            <a:ext cx="5537157" cy="2308324"/>
+            <a:ext cx="5537157" cy="3046988"/>
           </a:xfrm>
           <a:prstGeom prst="rect">
             <a:avLst/>
@@ -4398,8 +4498,20 @@
             <a:pPr algn="ctr"/>
             <a:r>
               <a:rPr lang="en-US" sz="4800" b="1" dirty="0"/>
-              <a:t>5722 Models</a:t>
-            </a:r>
+              <a:t>5722 </a:t>
+            </a:r>
+            <a:r>
+              <a:rPr lang="en-US" sz="4800" b="1" dirty="0" smtClean="0"/>
+              <a:t>Models</a:t>
+            </a:r>
+          </a:p>
+          <a:p>
+            <a:pPr algn="ctr"/>
+            <a:r>
+              <a:rPr lang="en-US" sz="4800" b="1" dirty="0"/>
+              <a:t>LNI_LNE_HIS_LES</a:t>
+            </a:r>
+            <a:endParaRPr lang="en-US" sz="4800" b="1" dirty="0"/>
           </a:p>
         </p:txBody>
       </p:sp>
@@ -4412,7 +4524,7 @@
         <p:spPr>
           <a:xfrm>
             <a:off x="1538307" y="23554193"/>
-            <a:ext cx="5452647" cy="2308324"/>
+            <a:ext cx="5452647" cy="3046988"/>
           </a:xfrm>
           <a:prstGeom prst="rect">
             <a:avLst/>
@@ -4452,7 +4564,18 @@
             <a:pPr algn="ctr"/>
             <a:r>
               <a:rPr lang="en-US" sz="4800" b="1" dirty="0" smtClean="0"/>
-              <a:t>2376 Models</a:t>
+              <a:t>2376 </a:t>
+            </a:r>
+            <a:r>
+              <a:rPr lang="en-US" sz="4800" b="1" dirty="0" smtClean="0"/>
+              <a:t>Models</a:t>
+            </a:r>
+          </a:p>
+          <a:p>
+            <a:pPr algn="ctr"/>
+            <a:r>
+              <a:rPr lang="en-US" sz="4800" b="1" dirty="0"/>
+              <a:t>LNI_LNE_LIS_LES</a:t>
             </a:r>
             <a:endParaRPr lang="en-US" sz="4800" b="1" dirty="0"/>
           </a:p>
@@ -4467,7 +4590,7 @@
         <p:spPr>
           <a:xfrm>
             <a:off x="1523533" y="16840053"/>
-            <a:ext cx="5565498" cy="2308324"/>
+            <a:ext cx="5565498" cy="3046988"/>
           </a:xfrm>
           <a:prstGeom prst="rect">
             <a:avLst/>
@@ -4507,8 +4630,20 @@
             <a:pPr algn="ctr"/>
             <a:r>
               <a:rPr lang="en-US" sz="4800" b="1" dirty="0"/>
-              <a:t>1532 Models</a:t>
-            </a:r>
+              <a:t>1532 </a:t>
+            </a:r>
+            <a:r>
+              <a:rPr lang="en-US" sz="4800" b="1" dirty="0" smtClean="0"/>
+              <a:t>Models</a:t>
+            </a:r>
+          </a:p>
+          <a:p>
+            <a:pPr algn="ctr"/>
+            <a:r>
+              <a:rPr lang="en-US" sz="4800" b="1" dirty="0"/>
+              <a:t>LNI_LNE_LIS_HES</a:t>
+            </a:r>
+            <a:endParaRPr lang="en-US" sz="4800" b="1" dirty="0"/>
           </a:p>
         </p:txBody>
       </p:sp>
@@ -4521,7 +4656,7 @@
         <p:spPr>
           <a:xfrm>
             <a:off x="21738111" y="16804193"/>
-            <a:ext cx="5565498" cy="2308324"/>
+            <a:ext cx="5565498" cy="3046988"/>
           </a:xfrm>
           <a:prstGeom prst="rect">
             <a:avLst/>
@@ -4561,8 +4696,20 @@
             <a:pPr algn="ctr"/>
             <a:r>
               <a:rPr lang="en-US" sz="4800" b="1" dirty="0"/>
-              <a:t>5737 Models</a:t>
-            </a:r>
+              <a:t>5737 </a:t>
+            </a:r>
+            <a:r>
+              <a:rPr lang="en-US" sz="4800" b="1" dirty="0" smtClean="0"/>
+              <a:t>Models</a:t>
+            </a:r>
+          </a:p>
+          <a:p>
+            <a:pPr algn="ctr"/>
+            <a:r>
+              <a:rPr lang="en-US" sz="4800" b="1" dirty="0"/>
+              <a:t>HNI_LNE_HIS_HES</a:t>
+            </a:r>
+            <a:endParaRPr lang="en-US" sz="4800" b="1" dirty="0"/>
           </a:p>
         </p:txBody>
       </p:sp>
@@ -4575,7 +4722,7 @@
         <p:spPr>
           <a:xfrm>
             <a:off x="21626034" y="23554193"/>
-            <a:ext cx="5537157" cy="2308324"/>
+            <a:ext cx="5537157" cy="3046988"/>
           </a:xfrm>
           <a:prstGeom prst="rect">
             <a:avLst/>
@@ -4615,7 +4762,18 @@
             <a:pPr algn="ctr"/>
             <a:r>
               <a:rPr lang="en-US" sz="4800" b="1" dirty="0" smtClean="0"/>
-              <a:t>3963 Models</a:t>
+              <a:t>3963 </a:t>
+            </a:r>
+            <a:r>
+              <a:rPr lang="en-US" sz="4800" b="1" dirty="0" smtClean="0"/>
+              <a:t>Models</a:t>
+            </a:r>
+          </a:p>
+          <a:p>
+            <a:pPr algn="ctr"/>
+            <a:r>
+              <a:rPr lang="en-US" sz="4800" b="1" dirty="0"/>
+              <a:t>HNI_LNE_HIS_LES</a:t>
             </a:r>
             <a:endParaRPr lang="en-US" sz="4800" b="1" dirty="0"/>
           </a:p>
@@ -4630,7 +4788,7 @@
         <p:spPr>
           <a:xfrm>
             <a:off x="15027033" y="23554193"/>
-            <a:ext cx="5452647" cy="2308324"/>
+            <a:ext cx="5452647" cy="3046988"/>
           </a:xfrm>
           <a:prstGeom prst="rect">
             <a:avLst/>
@@ -4670,7 +4828,18 @@
             <a:pPr algn="ctr"/>
             <a:r>
               <a:rPr lang="en-US" sz="4800" b="1" dirty="0" smtClean="0"/>
-              <a:t>6183 Models</a:t>
+              <a:t>6183 </a:t>
+            </a:r>
+            <a:r>
+              <a:rPr lang="en-US" sz="4800" b="1" dirty="0" smtClean="0"/>
+              <a:t>Models</a:t>
+            </a:r>
+          </a:p>
+          <a:p>
+            <a:pPr algn="ctr"/>
+            <a:r>
+              <a:rPr lang="en-US" sz="4800" b="1" dirty="0"/>
+              <a:t>HNI_LNE_LIS_LES</a:t>
             </a:r>
             <a:endParaRPr lang="en-US" sz="4800" b="1" dirty="0"/>
           </a:p>
@@ -4685,7 +4854,7 @@
         <p:spPr>
           <a:xfrm>
             <a:off x="15012259" y="16840053"/>
-            <a:ext cx="5565498" cy="2308324"/>
+            <a:ext cx="5565498" cy="3046988"/>
           </a:xfrm>
           <a:prstGeom prst="rect">
             <a:avLst/>
@@ -4725,8 +4894,20 @@
             <a:pPr algn="ctr"/>
             <a:r>
               <a:rPr lang="en-US" sz="4800" b="1" dirty="0"/>
-              <a:t>2855 Models</a:t>
-            </a:r>
+              <a:t>2855 </a:t>
+            </a:r>
+            <a:r>
+              <a:rPr lang="en-US" sz="4800" b="1" dirty="0" smtClean="0"/>
+              <a:t>Models</a:t>
+            </a:r>
+          </a:p>
+          <a:p>
+            <a:pPr algn="ctr"/>
+            <a:r>
+              <a:rPr lang="en-US" sz="4800" b="1" dirty="0"/>
+              <a:t>HNI_LNE_LIS_HES</a:t>
+            </a:r>
+            <a:endParaRPr lang="en-US" sz="4800" b="1" dirty="0"/>
           </a:p>
         </p:txBody>
       </p:sp>

--- a/HC_DB_Analyses/HC_DB_Numbers_Reversed/SDprox2PoolSchematic_init.pptx
+++ b/HC_DB_Analyses/HC_DB_Numbers_Reversed/SDprox2PoolSchematic_init.pptx
@@ -243,7 +243,7 @@
           <a:p>
             <a:fld id="{13B4EEC1-59A0-6147-A616-EE74AE21FFF0}" type="datetimeFigureOut">
               <a:rPr lang="en-US" smtClean="0"/>
-              <a:t>10/21/17</a:t>
+              <a:t>1/21/18</a:t>
             </a:fld>
             <a:endParaRPr lang="en-US"/>
           </a:p>
@@ -408,7 +408,7 @@
           <a:p>
             <a:fld id="{13B4EEC1-59A0-6147-A616-EE74AE21FFF0}" type="datetimeFigureOut">
               <a:rPr lang="en-US" smtClean="0"/>
-              <a:t>10/21/17</a:t>
+              <a:t>1/21/18</a:t>
             </a:fld>
             <a:endParaRPr lang="en-US"/>
           </a:p>
@@ -583,7 +583,7 @@
           <a:p>
             <a:fld id="{13B4EEC1-59A0-6147-A616-EE74AE21FFF0}" type="datetimeFigureOut">
               <a:rPr lang="en-US" smtClean="0"/>
-              <a:t>10/21/17</a:t>
+              <a:t>1/21/18</a:t>
             </a:fld>
             <a:endParaRPr lang="en-US"/>
           </a:p>
@@ -748,7 +748,7 @@
           <a:p>
             <a:fld id="{13B4EEC1-59A0-6147-A616-EE74AE21FFF0}" type="datetimeFigureOut">
               <a:rPr lang="en-US" smtClean="0"/>
-              <a:t>10/21/17</a:t>
+              <a:t>1/21/18</a:t>
             </a:fld>
             <a:endParaRPr lang="en-US"/>
           </a:p>
@@ -987,7 +987,7 @@
           <a:p>
             <a:fld id="{13B4EEC1-59A0-6147-A616-EE74AE21FFF0}" type="datetimeFigureOut">
               <a:rPr lang="en-US" smtClean="0"/>
-              <a:t>10/21/17</a:t>
+              <a:t>1/21/18</a:t>
             </a:fld>
             <a:endParaRPr lang="en-US"/>
           </a:p>
@@ -1214,7 +1214,7 @@
           <a:p>
             <a:fld id="{13B4EEC1-59A0-6147-A616-EE74AE21FFF0}" type="datetimeFigureOut">
               <a:rPr lang="en-US" smtClean="0"/>
-              <a:t>10/21/17</a:t>
+              <a:t>1/21/18</a:t>
             </a:fld>
             <a:endParaRPr lang="en-US"/>
           </a:p>
@@ -1576,7 +1576,7 @@
           <a:p>
             <a:fld id="{13B4EEC1-59A0-6147-A616-EE74AE21FFF0}" type="datetimeFigureOut">
               <a:rPr lang="en-US" smtClean="0"/>
-              <a:t>10/21/17</a:t>
+              <a:t>1/21/18</a:t>
             </a:fld>
             <a:endParaRPr lang="en-US"/>
           </a:p>
@@ -1689,7 +1689,7 @@
           <a:p>
             <a:fld id="{13B4EEC1-59A0-6147-A616-EE74AE21FFF0}" type="datetimeFigureOut">
               <a:rPr lang="en-US" smtClean="0"/>
-              <a:t>10/21/17</a:t>
+              <a:t>1/21/18</a:t>
             </a:fld>
             <a:endParaRPr lang="en-US"/>
           </a:p>
@@ -1779,7 +1779,7 @@
           <a:p>
             <a:fld id="{13B4EEC1-59A0-6147-A616-EE74AE21FFF0}" type="datetimeFigureOut">
               <a:rPr lang="en-US" smtClean="0"/>
-              <a:t>10/21/17</a:t>
+              <a:t>1/21/18</a:t>
             </a:fld>
             <a:endParaRPr lang="en-US"/>
           </a:p>
@@ -2051,7 +2051,7 @@
           <a:p>
             <a:fld id="{13B4EEC1-59A0-6147-A616-EE74AE21FFF0}" type="datetimeFigureOut">
               <a:rPr lang="en-US" smtClean="0"/>
-              <a:t>10/21/17</a:t>
+              <a:t>1/21/18</a:t>
             </a:fld>
             <a:endParaRPr lang="en-US"/>
           </a:p>
@@ -2303,7 +2303,7 @@
           <a:p>
             <a:fld id="{13B4EEC1-59A0-6147-A616-EE74AE21FFF0}" type="datetimeFigureOut">
               <a:rPr lang="en-US" smtClean="0"/>
-              <a:t>10/21/17</a:t>
+              <a:t>1/21/18</a:t>
             </a:fld>
             <a:endParaRPr lang="en-US"/>
           </a:p>
@@ -2511,7 +2511,7 @@
           <a:p>
             <a:fld id="{13B4EEC1-59A0-6147-A616-EE74AE21FFF0}" type="datetimeFigureOut">
               <a:rPr lang="en-US" smtClean="0"/>
-              <a:t>10/21/17</a:t>
+              <a:t>1/21/18</a:t>
             </a:fld>
             <a:endParaRPr lang="en-US"/>
           </a:p>
@@ -3744,8 +3744,8 @@
         </p:nvSpPr>
         <p:spPr>
           <a:xfrm>
-            <a:off x="10301340" y="-242104"/>
-            <a:ext cx="8238474" cy="1034579"/>
+            <a:off x="8341912" y="-242104"/>
+            <a:ext cx="12241364" cy="1034579"/>
           </a:xfrm>
           <a:prstGeom prst="rect">
             <a:avLst/>
@@ -3759,8 +3759,12 @@
           <a:lstStyle/>
           <a:p>
             <a:r>
+              <a:rPr lang="en-US" b="1" smtClean="0"/>
+              <a:t>High Numbers of Excitatory </a:t>
+            </a:r>
+            <a:r>
               <a:rPr lang="en-US" b="1" dirty="0" smtClean="0"/>
-              <a:t>High Excitatory Synapses</a:t>
+              <a:t>Synapses</a:t>
             </a:r>
             <a:endParaRPr lang="en-US" b="1" dirty="0"/>
           </a:p>
@@ -3774,8 +3778,8 @@
         </p:nvSpPr>
         <p:spPr>
           <a:xfrm>
-            <a:off x="10373059" y="27783115"/>
-            <a:ext cx="8095037" cy="1034579"/>
+            <a:off x="8478945" y="27783115"/>
+            <a:ext cx="12097927" cy="1034579"/>
           </a:xfrm>
           <a:prstGeom prst="rect">
             <a:avLst/>
@@ -3789,12 +3793,12 @@
           <a:lstStyle/>
           <a:p>
             <a:r>
+              <a:rPr lang="en-US" b="1" smtClean="0"/>
+              <a:t>Low Numbers of Excitatory </a:t>
+            </a:r>
+            <a:r>
               <a:rPr lang="en-US" b="1" dirty="0" smtClean="0"/>
-              <a:t>Low </a:t>
-            </a:r>
-            <a:r>
-              <a:rPr lang="en-US" b="1" smtClean="0"/>
-              <a:t>Excitatory Synapses</a:t>
+              <a:t>Synapses</a:t>
             </a:r>
             <a:endParaRPr lang="en-US" b="1" dirty="0"/>
           </a:p>
@@ -3807,9 +3811,9 @@
           <p:nvPr/>
         </p:nvSpPr>
         <p:spPr>
-          <a:xfrm rot="5400000">
-            <a:off x="24367218" y="13771604"/>
-            <a:ext cx="8204105" cy="1034579"/>
+          <a:xfrm rot="16200000">
+            <a:off x="22300460" y="13771604"/>
+            <a:ext cx="12206996" cy="1034579"/>
           </a:xfrm>
           <a:prstGeom prst="rect">
             <a:avLst/>
@@ -3824,7 +3828,7 @@
           <a:p>
             <a:r>
               <a:rPr lang="en-US" b="1" dirty="0" smtClean="0"/>
-              <a:t>High Inhibitory Synapses</a:t>
+              <a:t>High Numbers of Inhibitory Synapses</a:t>
             </a:r>
             <a:endParaRPr lang="en-US" b="1" dirty="0"/>
           </a:p>
@@ -3838,8 +3842,8 @@
         </p:nvSpPr>
         <p:spPr>
           <a:xfrm rot="16200000">
-            <a:off x="-3661465" y="13771605"/>
-            <a:ext cx="8060668" cy="1034579"/>
+            <a:off x="-5662907" y="13771605"/>
+            <a:ext cx="12063559" cy="1034579"/>
           </a:xfrm>
           <a:prstGeom prst="rect">
             <a:avLst/>
@@ -3854,7 +3858,7 @@
           <a:p>
             <a:r>
               <a:rPr lang="en-US" b="1" dirty="0" smtClean="0"/>
-              <a:t>Low Inhibitory Synapses</a:t>
+              <a:t>Low Numbers of Inhibitory Synapses</a:t>
             </a:r>
             <a:endParaRPr lang="en-US" b="1" dirty="0"/>
           </a:p>
@@ -3909,11 +3913,7 @@
             <a:pPr algn="ctr"/>
             <a:r>
               <a:rPr lang="en-US" sz="4800" b="1" dirty="0" smtClean="0"/>
-              <a:t>0 </a:t>
-            </a:r>
-            <a:r>
-              <a:rPr lang="en-US" sz="4800" b="1" dirty="0" smtClean="0"/>
-              <a:t>Models</a:t>
+              <a:t>0 Models</a:t>
             </a:r>
           </a:p>
           <a:p>
@@ -3922,7 +3922,6 @@
               <a:rPr lang="en-US" sz="4800" b="1" dirty="0"/>
               <a:t>LNI_HNE_HIS_HES</a:t>
             </a:r>
-            <a:endParaRPr lang="en-US" sz="4800" b="1" dirty="0"/>
           </a:p>
         </p:txBody>
       </p:sp>
@@ -3975,11 +3974,7 @@
             <a:pPr algn="ctr"/>
             <a:r>
               <a:rPr lang="en-US" sz="4800" b="1" dirty="0" smtClean="0"/>
-              <a:t>1859 </a:t>
-            </a:r>
-            <a:r>
-              <a:rPr lang="en-US" sz="4800" b="1" dirty="0" smtClean="0"/>
-              <a:t>Models</a:t>
+              <a:t>1859 Models</a:t>
             </a:r>
           </a:p>
           <a:p>
@@ -3988,7 +3983,6 @@
               <a:rPr lang="en-US" sz="4800" b="1" dirty="0"/>
               <a:t>LNI_HNE_HIS_LES</a:t>
             </a:r>
-            <a:endParaRPr lang="en-US" sz="4800" b="1" dirty="0"/>
           </a:p>
         </p:txBody>
       </p:sp>
@@ -4041,11 +4035,7 @@
             <a:pPr algn="ctr"/>
             <a:r>
               <a:rPr lang="en-US" sz="4800" b="1" dirty="0" smtClean="0"/>
-              <a:t>61 </a:t>
-            </a:r>
-            <a:r>
-              <a:rPr lang="en-US" sz="4800" b="1" dirty="0" smtClean="0"/>
-              <a:t>Models</a:t>
+              <a:t>61 Models</a:t>
             </a:r>
           </a:p>
           <a:p>
@@ -4054,7 +4044,6 @@
               <a:rPr lang="en-US" sz="4800" b="1" dirty="0"/>
               <a:t>LNI_HNE_LIS_LES</a:t>
             </a:r>
-            <a:endParaRPr lang="en-US" sz="4800" b="1" dirty="0"/>
           </a:p>
         </p:txBody>
       </p:sp>
@@ -4102,11 +4091,7 @@
             <a:pPr algn="ctr"/>
             <a:r>
               <a:rPr lang="en-US" sz="4800" b="1" dirty="0" smtClean="0"/>
-              <a:t>0 </a:t>
-            </a:r>
-            <a:r>
-              <a:rPr lang="en-US" sz="4800" b="1" dirty="0" smtClean="0"/>
-              <a:t>Models</a:t>
+              <a:t>0 Models</a:t>
             </a:r>
           </a:p>
           <a:p>
@@ -4168,11 +4153,7 @@
             <a:pPr algn="ctr"/>
             <a:r>
               <a:rPr lang="en-US" sz="4800" b="1" dirty="0" smtClean="0"/>
-              <a:t>515 </a:t>
-            </a:r>
-            <a:r>
-              <a:rPr lang="en-US" sz="4800" b="1" dirty="0" smtClean="0"/>
-              <a:t>Models</a:t>
+              <a:t>515 Models</a:t>
             </a:r>
           </a:p>
           <a:p>
@@ -4181,7 +4162,6 @@
               <a:rPr lang="en-US" sz="4800" b="1" dirty="0"/>
               <a:t>HNI_HNE_HIS_HES</a:t>
             </a:r>
-            <a:endParaRPr lang="en-US" sz="4800" b="1" dirty="0"/>
           </a:p>
         </p:txBody>
       </p:sp>
@@ -4234,11 +4214,7 @@
             <a:pPr algn="ctr"/>
             <a:r>
               <a:rPr lang="en-US" sz="4800" b="1" dirty="0" smtClean="0"/>
-              <a:t>7554 </a:t>
-            </a:r>
-            <a:r>
-              <a:rPr lang="en-US" sz="4800" b="1" dirty="0" smtClean="0"/>
-              <a:t>Models</a:t>
+              <a:t>7554 Models</a:t>
             </a:r>
           </a:p>
           <a:p>
@@ -4247,7 +4223,6 @@
               <a:rPr lang="en-US" sz="4800" b="1" dirty="0"/>
               <a:t>HNI_HNE_HIS_LES</a:t>
             </a:r>
-            <a:endParaRPr lang="en-US" sz="4800" b="1" dirty="0"/>
           </a:p>
         </p:txBody>
       </p:sp>
@@ -4300,11 +4275,7 @@
             <a:pPr algn="ctr"/>
             <a:r>
               <a:rPr lang="en-US" sz="4800" b="1" dirty="0" smtClean="0"/>
-              <a:t>2486 </a:t>
-            </a:r>
-            <a:r>
-              <a:rPr lang="en-US" sz="4800" b="1" dirty="0" smtClean="0"/>
-              <a:t>Models</a:t>
+              <a:t>2486 Models</a:t>
             </a:r>
           </a:p>
           <a:p>
@@ -4313,7 +4284,6 @@
               <a:rPr lang="en-US" sz="4800" b="1" dirty="0"/>
               <a:t>HNI_HNE_LIS_LES</a:t>
             </a:r>
-            <a:endParaRPr lang="en-US" sz="4800" b="1" dirty="0"/>
           </a:p>
         </p:txBody>
       </p:sp>
@@ -4366,11 +4336,7 @@
             <a:pPr algn="ctr"/>
             <a:r>
               <a:rPr lang="en-US" sz="4800" b="1" dirty="0" smtClean="0"/>
-              <a:t>0 </a:t>
-            </a:r>
-            <a:r>
-              <a:rPr lang="en-US" sz="4800" b="1" dirty="0" smtClean="0"/>
-              <a:t>Models</a:t>
+              <a:t>0 Models</a:t>
             </a:r>
           </a:p>
           <a:p>
@@ -4379,7 +4345,6 @@
               <a:rPr lang="en-US" sz="4800" b="1" dirty="0"/>
               <a:t>HNI_HNE_LIS_HES</a:t>
             </a:r>
-            <a:endParaRPr lang="en-US" sz="4800" b="1" dirty="0"/>
           </a:p>
         </p:txBody>
       </p:sp>
@@ -4445,7 +4410,6 @@
               <a:rPr lang="en-US" sz="4800" b="1" dirty="0"/>
               <a:t>LNI_LNE_HIS_HES</a:t>
             </a:r>
-            <a:endParaRPr lang="en-US" sz="4800" b="1" dirty="0"/>
           </a:p>
         </p:txBody>
       </p:sp>
@@ -4511,7 +4475,6 @@
               <a:rPr lang="en-US" sz="4800" b="1" dirty="0"/>
               <a:t>LNI_LNE_HIS_LES</a:t>
             </a:r>
-            <a:endParaRPr lang="en-US" sz="4800" b="1" dirty="0"/>
           </a:p>
         </p:txBody>
       </p:sp>
@@ -4564,11 +4527,7 @@
             <a:pPr algn="ctr"/>
             <a:r>
               <a:rPr lang="en-US" sz="4800" b="1" dirty="0" smtClean="0"/>
-              <a:t>2376 </a:t>
-            </a:r>
-            <a:r>
-              <a:rPr lang="en-US" sz="4800" b="1" dirty="0" smtClean="0"/>
-              <a:t>Models</a:t>
+              <a:t>2376 Models</a:t>
             </a:r>
           </a:p>
           <a:p>
@@ -4577,7 +4536,6 @@
               <a:rPr lang="en-US" sz="4800" b="1" dirty="0"/>
               <a:t>LNI_LNE_LIS_LES</a:t>
             </a:r>
-            <a:endParaRPr lang="en-US" sz="4800" b="1" dirty="0"/>
           </a:p>
         </p:txBody>
       </p:sp>
@@ -4643,7 +4601,6 @@
               <a:rPr lang="en-US" sz="4800" b="1" dirty="0"/>
               <a:t>LNI_LNE_LIS_HES</a:t>
             </a:r>
-            <a:endParaRPr lang="en-US" sz="4800" b="1" dirty="0"/>
           </a:p>
         </p:txBody>
       </p:sp>
@@ -4709,7 +4666,6 @@
               <a:rPr lang="en-US" sz="4800" b="1" dirty="0"/>
               <a:t>HNI_LNE_HIS_HES</a:t>
             </a:r>
-            <a:endParaRPr lang="en-US" sz="4800" b="1" dirty="0"/>
           </a:p>
         </p:txBody>
       </p:sp>
@@ -4762,11 +4718,7 @@
             <a:pPr algn="ctr"/>
             <a:r>
               <a:rPr lang="en-US" sz="4800" b="1" dirty="0" smtClean="0"/>
-              <a:t>3963 </a:t>
-            </a:r>
-            <a:r>
-              <a:rPr lang="en-US" sz="4800" b="1" dirty="0" smtClean="0"/>
-              <a:t>Models</a:t>
+              <a:t>3963 Models</a:t>
             </a:r>
           </a:p>
           <a:p>
@@ -4775,7 +4727,6 @@
               <a:rPr lang="en-US" sz="4800" b="1" dirty="0"/>
               <a:t>HNI_LNE_HIS_LES</a:t>
             </a:r>
-            <a:endParaRPr lang="en-US" sz="4800" b="1" dirty="0"/>
           </a:p>
         </p:txBody>
       </p:sp>
@@ -4828,11 +4779,7 @@
             <a:pPr algn="ctr"/>
             <a:r>
               <a:rPr lang="en-US" sz="4800" b="1" dirty="0" smtClean="0"/>
-              <a:t>6183 </a:t>
-            </a:r>
-            <a:r>
-              <a:rPr lang="en-US" sz="4800" b="1" dirty="0" smtClean="0"/>
-              <a:t>Models</a:t>
+              <a:t>6183 Models</a:t>
             </a:r>
           </a:p>
           <a:p>
@@ -4841,7 +4788,6 @@
               <a:rPr lang="en-US" sz="4800" b="1" dirty="0"/>
               <a:t>HNI_LNE_LIS_LES</a:t>
             </a:r>
-            <a:endParaRPr lang="en-US" sz="4800" b="1" dirty="0"/>
           </a:p>
         </p:txBody>
       </p:sp>
@@ -4907,7 +4853,6 @@
               <a:rPr lang="en-US" sz="4800" b="1" dirty="0"/>
               <a:t>HNI_LNE_LIS_HES</a:t>
             </a:r>
-            <a:endParaRPr lang="en-US" sz="4800" b="1" dirty="0"/>
           </a:p>
         </p:txBody>
       </p:sp>
